--- a/SuSS/2022_Sem2_ANL252_Python_4_Biz/3_Lecturer/Lecture_3/ANL252_SU3_Jul2022 (MK Edits).pptx
+++ b/SuSS/2022_Sem2_ANL252_Python_4_Biz/3_Lecturer/Lecture_3/ANL252_SU3_Jul2022 (MK Edits).pptx
@@ -7,10 +7,10 @@
     <p:sldMasterId id="2147483680" r:id="rId6"/>
   </p:sldMasterIdLst>
   <p:notesMasterIdLst>
-    <p:notesMasterId r:id="rId42"/>
+    <p:notesMasterId r:id="rId43"/>
   </p:notesMasterIdLst>
   <p:handoutMasterIdLst>
-    <p:handoutMasterId r:id="rId43"/>
+    <p:handoutMasterId r:id="rId44"/>
   </p:handoutMasterIdLst>
   <p:sldIdLst>
     <p:sldId id="392" r:id="rId7"/>
@@ -34,25 +34,26 @@
     <p:sldId id="379" r:id="rId25"/>
     <p:sldId id="395" r:id="rId26"/>
     <p:sldId id="386" r:id="rId27"/>
-    <p:sldId id="376" r:id="rId28"/>
-    <p:sldId id="380" r:id="rId29"/>
-    <p:sldId id="381" r:id="rId30"/>
-    <p:sldId id="303" r:id="rId31"/>
-    <p:sldId id="383" r:id="rId32"/>
-    <p:sldId id="307" r:id="rId33"/>
-    <p:sldId id="387" r:id="rId34"/>
-    <p:sldId id="404" r:id="rId35"/>
-    <p:sldId id="396" r:id="rId36"/>
-    <p:sldId id="388" r:id="rId37"/>
-    <p:sldId id="397" r:id="rId38"/>
-    <p:sldId id="398" r:id="rId39"/>
-    <p:sldId id="385" r:id="rId40"/>
-    <p:sldId id="399" r:id="rId41"/>
+    <p:sldId id="405" r:id="rId28"/>
+    <p:sldId id="376" r:id="rId29"/>
+    <p:sldId id="380" r:id="rId30"/>
+    <p:sldId id="381" r:id="rId31"/>
+    <p:sldId id="303" r:id="rId32"/>
+    <p:sldId id="383" r:id="rId33"/>
+    <p:sldId id="307" r:id="rId34"/>
+    <p:sldId id="387" r:id="rId35"/>
+    <p:sldId id="404" r:id="rId36"/>
+    <p:sldId id="396" r:id="rId37"/>
+    <p:sldId id="388" r:id="rId38"/>
+    <p:sldId id="397" r:id="rId39"/>
+    <p:sldId id="398" r:id="rId40"/>
+    <p:sldId id="385" r:id="rId41"/>
+    <p:sldId id="399" r:id="rId42"/>
   </p:sldIdLst>
   <p:sldSz cx="9144000" cy="6858000" type="screen4x3"/>
   <p:notesSz cx="6858000" cy="9144000"/>
   <p:custDataLst>
-    <p:tags r:id="rId44"/>
+    <p:tags r:id="rId45"/>
   </p:custDataLst>
   <p:defaultTextStyle>
     <a:defPPr>
@@ -20988,6 +20989,101 @@
       </p:grpSpPr>
       <p:sp>
         <p:nvSpPr>
+          <p:cNvPr id="2" name="Subtitle 1">
+            <a:extLst>
+              <a:ext uri="{FF2B5EF4-FFF2-40B4-BE49-F238E27FC236}">
+                <a16:creationId xmlns:a16="http://schemas.microsoft.com/office/drawing/2014/main" id="{8DFE7E0C-F365-437B-A66A-DDFED1E6592E}"/>
+              </a:ext>
+            </a:extLst>
+          </p:cNvPr>
+          <p:cNvSpPr>
+            <a:spLocks noGrp="1"/>
+          </p:cNvSpPr>
+          <p:nvPr>
+            <p:ph type="subTitle" idx="1"/>
+          </p:nvPr>
+        </p:nvSpPr>
+        <p:spPr/>
+        <p:txBody>
+          <a:bodyPr anchor="ctr" anchorCtr="0">
+            <a:normAutofit/>
+          </a:bodyPr>
+          <a:lstStyle/>
+          <a:p>
+            <a:pPr algn="ctr"/>
+            <a:r>
+              <a:rPr lang="en-US" sz="5400" dirty="0">
+                <a:solidFill>
+                  <a:srgbClr val="FF0000"/>
+                </a:solidFill>
+              </a:rPr>
+              <a:t>15 min Break</a:t>
+            </a:r>
+            <a:endParaRPr lang="en-SG" sz="5400" dirty="0">
+              <a:solidFill>
+                <a:srgbClr val="FF0000"/>
+              </a:solidFill>
+            </a:endParaRPr>
+          </a:p>
+        </p:txBody>
+      </p:sp>
+      <p:sp>
+        <p:nvSpPr>
+          <p:cNvPr id="3" name="Title 2">
+            <a:extLst>
+              <a:ext uri="{FF2B5EF4-FFF2-40B4-BE49-F238E27FC236}">
+                <a16:creationId xmlns:a16="http://schemas.microsoft.com/office/drawing/2014/main" id="{67DDA9F3-218B-4A5F-AE24-388EE050DE08}"/>
+              </a:ext>
+            </a:extLst>
+          </p:cNvPr>
+          <p:cNvSpPr>
+            <a:spLocks noGrp="1"/>
+          </p:cNvSpPr>
+          <p:nvPr>
+            <p:ph type="title"/>
+          </p:nvPr>
+        </p:nvSpPr>
+        <p:spPr/>
+        <p:txBody>
+          <a:bodyPr/>
+          <a:lstStyle/>
+          <a:p>
+            <a:endParaRPr lang="en-SG"/>
+          </a:p>
+        </p:txBody>
+      </p:sp>
+    </p:spTree>
+    <p:extLst>
+      <p:ext uri="{BB962C8B-B14F-4D97-AF65-F5344CB8AC3E}">
+        <p14:creationId xmlns:p14="http://schemas.microsoft.com/office/powerpoint/2010/main" val="3950103895"/>
+      </p:ext>
+    </p:extLst>
+  </p:cSld>
+  <p:clrMapOvr>
+    <a:masterClrMapping/>
+  </p:clrMapOvr>
+</p:sld>
+</file>
+
+<file path=ppt/slides/slide23.xml><?xml version="1.0" encoding="utf-8"?>
+<p:sld xmlns:a="http://schemas.openxmlformats.org/drawingml/2006/main" xmlns:r="http://schemas.openxmlformats.org/officeDocument/2006/relationships" xmlns:p="http://schemas.openxmlformats.org/presentationml/2006/main">
+  <p:cSld>
+    <p:spTree>
+      <p:nvGrpSpPr>
+        <p:cNvPr id="1" name=""/>
+        <p:cNvGrpSpPr/>
+        <p:nvPr/>
+      </p:nvGrpSpPr>
+      <p:grpSpPr>
+        <a:xfrm>
+          <a:off x="0" y="0"/>
+          <a:ext cx="0" cy="0"/>
+          <a:chOff x="0" y="0"/>
+          <a:chExt cx="0" cy="0"/>
+        </a:xfrm>
+      </p:grpSpPr>
+      <p:sp>
+        <p:nvSpPr>
           <p:cNvPr id="5122" name="Title 1">
             <a:extLst>
               <a:ext uri="{FF2B5EF4-FFF2-40B4-BE49-F238E27FC236}">
@@ -21084,7 +21180,7 @@
 </p:sld>
 </file>
 
-<file path=ppt/slides/slide23.xml><?xml version="1.0" encoding="utf-8"?>
+<file path=ppt/slides/slide24.xml><?xml version="1.0" encoding="utf-8"?>
 <p:sld xmlns:a="http://schemas.openxmlformats.org/drawingml/2006/main" xmlns:r="http://schemas.openxmlformats.org/officeDocument/2006/relationships" xmlns:p="http://schemas.openxmlformats.org/presentationml/2006/main">
   <p:cSld>
     <p:spTree>
@@ -21312,7 +21408,7 @@
 </p:sld>
 </file>
 
-<file path=ppt/slides/slide24.xml><?xml version="1.0" encoding="utf-8"?>
+<file path=ppt/slides/slide25.xml><?xml version="1.0" encoding="utf-8"?>
 <p:sld xmlns:a="http://schemas.openxmlformats.org/drawingml/2006/main" xmlns:r="http://schemas.openxmlformats.org/officeDocument/2006/relationships" xmlns:p="http://schemas.openxmlformats.org/presentationml/2006/main">
   <p:cSld>
     <p:spTree>
@@ -21996,7 +22092,7 @@
 </p:sld>
 </file>
 
-<file path=ppt/slides/slide25.xml><?xml version="1.0" encoding="utf-8"?>
+<file path=ppt/slides/slide26.xml><?xml version="1.0" encoding="utf-8"?>
 <p:sld xmlns:a="http://schemas.openxmlformats.org/drawingml/2006/main" xmlns:r="http://schemas.openxmlformats.org/officeDocument/2006/relationships" xmlns:p="http://schemas.openxmlformats.org/presentationml/2006/main">
   <p:cSld>
     <p:spTree>
@@ -22928,7 +23024,7 @@
 </p:sld>
 </file>
 
-<file path=ppt/slides/slide26.xml><?xml version="1.0" encoding="utf-8"?>
+<file path=ppt/slides/slide27.xml><?xml version="1.0" encoding="utf-8"?>
 <p:sld xmlns:a="http://schemas.openxmlformats.org/drawingml/2006/main" xmlns:r="http://schemas.openxmlformats.org/officeDocument/2006/relationships" xmlns:p="http://schemas.openxmlformats.org/presentationml/2006/main">
   <p:cSld>
     <p:spTree>
@@ -23640,7 +23736,7 @@
 </p:sld>
 </file>
 
-<file path=ppt/slides/slide27.xml><?xml version="1.0" encoding="utf-8"?>
+<file path=ppt/slides/slide28.xml><?xml version="1.0" encoding="utf-8"?>
 <p:sld xmlns:a="http://schemas.openxmlformats.org/drawingml/2006/main" xmlns:r="http://schemas.openxmlformats.org/officeDocument/2006/relationships" xmlns:p="http://schemas.openxmlformats.org/presentationml/2006/main">
   <p:cSld>
     <p:spTree>
@@ -24211,135 +24307,6 @@
     <p:extLst>
       <p:ext uri="{BB962C8B-B14F-4D97-AF65-F5344CB8AC3E}">
         <p14:creationId xmlns:p14="http://schemas.microsoft.com/office/powerpoint/2010/main" val="2241547428"/>
-      </p:ext>
-    </p:extLst>
-  </p:cSld>
-  <p:clrMapOvr>
-    <a:masterClrMapping/>
-  </p:clrMapOvr>
-</p:sld>
-</file>
-
-<file path=ppt/slides/slide28.xml><?xml version="1.0" encoding="utf-8"?>
-<p:sld xmlns:a="http://schemas.openxmlformats.org/drawingml/2006/main" xmlns:r="http://schemas.openxmlformats.org/officeDocument/2006/relationships" xmlns:p="http://schemas.openxmlformats.org/presentationml/2006/main">
-  <p:cSld>
-    <p:spTree>
-      <p:nvGrpSpPr>
-        <p:cNvPr id="1" name=""/>
-        <p:cNvGrpSpPr/>
-        <p:nvPr/>
-      </p:nvGrpSpPr>
-      <p:grpSpPr>
-        <a:xfrm>
-          <a:off x="0" y="0"/>
-          <a:ext cx="0" cy="0"/>
-          <a:chOff x="0" y="0"/>
-          <a:chExt cx="0" cy="0"/>
-        </a:xfrm>
-      </p:grpSpPr>
-      <p:sp>
-        <p:nvSpPr>
-          <p:cNvPr id="5" name="Title 4"/>
-          <p:cNvSpPr>
-            <a:spLocks noGrp="1"/>
-          </p:cNvSpPr>
-          <p:nvPr>
-            <p:ph type="title"/>
-          </p:nvPr>
-        </p:nvSpPr>
-        <p:spPr>
-          <a:xfrm>
-            <a:off x="593386" y="-1"/>
-            <a:ext cx="8093413" cy="838800"/>
-          </a:xfrm>
-        </p:spPr>
-        <p:txBody>
-          <a:bodyPr/>
-          <a:lstStyle/>
-          <a:p>
-            <a:r>
-              <a:rPr lang="en-SG" dirty="0"/>
-              <a:t>Activity (I)</a:t>
-            </a:r>
-          </a:p>
-        </p:txBody>
-      </p:sp>
-      <p:sp>
-        <p:nvSpPr>
-          <p:cNvPr id="6" name="Content Placeholder 5"/>
-          <p:cNvSpPr>
-            <a:spLocks noGrp="1"/>
-          </p:cNvSpPr>
-          <p:nvPr>
-            <p:ph idx="1"/>
-          </p:nvPr>
-        </p:nvSpPr>
-        <p:spPr>
-          <a:xfrm>
-            <a:off x="492133" y="1256579"/>
-            <a:ext cx="8468334" cy="5504144"/>
-          </a:xfrm>
-        </p:spPr>
-        <p:txBody>
-          <a:bodyPr>
-            <a:noAutofit/>
-          </a:bodyPr>
-          <a:lstStyle/>
-          <a:p>
-            <a:pPr algn="just"/>
-            <a:r>
-              <a:rPr lang="en-US" i="1" u="sng" dirty="0"/>
-              <a:t>Revisit the earlier plotting exercises:</a:t>
-            </a:r>
-          </a:p>
-          <a:p>
-            <a:pPr marL="342900" indent="-342900" algn="just">
-              <a:buFont typeface="Arial" panose="020B0604020202020204" pitchFamily="34" charset="0"/>
-              <a:buChar char="•"/>
-            </a:pPr>
-            <a:r>
-              <a:rPr lang="en-US" dirty="0">
-                <a:solidFill>
-                  <a:schemeClr val="tx1"/>
-                </a:solidFill>
-              </a:rPr>
-              <a:t>Find at least one modification to improve each of any two plots done earlier</a:t>
-            </a:r>
-          </a:p>
-          <a:p>
-            <a:pPr marL="354013" indent="-354013">
-              <a:buFont typeface="Arial" panose="020B0604020202020204" pitchFamily="34" charset="0"/>
-              <a:buChar char="•"/>
-            </a:pPr>
-            <a:r>
-              <a:rPr lang="en-US" dirty="0"/>
-              <a:t>Discuss what you </a:t>
-            </a:r>
-            <a:r>
-              <a:rPr lang="en-US"/>
-              <a:t>have found</a:t>
-            </a:r>
-            <a:endParaRPr lang="en-US" dirty="0"/>
-          </a:p>
-          <a:p>
-            <a:pPr marL="354013" indent="-354013">
-              <a:buFont typeface="Arial" panose="020B0604020202020204" pitchFamily="34" charset="0"/>
-              <a:buChar char="•"/>
-            </a:pPr>
-            <a:endParaRPr lang="en-SG" dirty="0"/>
-          </a:p>
-          <a:p>
-            <a:endParaRPr lang="en-SG" dirty="0"/>
-          </a:p>
-        </p:txBody>
-      </p:sp>
-    </p:spTree>
-    <p:custDataLst>
-      <p:tags r:id="rId1"/>
-    </p:custDataLst>
-    <p:extLst>
-      <p:ext uri="{BB962C8B-B14F-4D97-AF65-F5344CB8AC3E}">
-        <p14:creationId xmlns:p14="http://schemas.microsoft.com/office/powerpoint/2010/main" val="2950543952"/>
       </p:ext>
     </p:extLst>
   </p:cSld>
@@ -24388,7 +24355,7 @@
           <a:p>
             <a:r>
               <a:rPr lang="en-SG" dirty="0"/>
-              <a:t>Activity (II)</a:t>
+              <a:t>Activity (I)</a:t>
             </a:r>
           </a:p>
         </p:txBody>
@@ -24418,7 +24385,7 @@
             <a:pPr algn="just"/>
             <a:r>
               <a:rPr lang="en-US" i="1" u="sng" dirty="0"/>
-              <a:t>Random sampling program:</a:t>
+              <a:t>Revisit the earlier plotting exercises:</a:t>
             </a:r>
           </a:p>
           <a:p>
@@ -24432,7 +24399,7 @@
                   <a:schemeClr val="tx1"/>
                 </a:solidFill>
               </a:rPr>
-              <a:t>Generate a histogram of the 100 random numbers drawn in the previous Chapter. Provide a title as well as labels for both axes in the chart.</a:t>
+              <a:t>Find at least one modification to improve each of any two plots done earlier</a:t>
             </a:r>
           </a:p>
           <a:p>
@@ -24440,6 +24407,14 @@
               <a:buFont typeface="Arial" panose="020B0604020202020204" pitchFamily="34" charset="0"/>
               <a:buChar char="•"/>
             </a:pPr>
+            <a:r>
+              <a:rPr lang="en-US" dirty="0"/>
+              <a:t>Discuss what you </a:t>
+            </a:r>
+            <a:r>
+              <a:rPr lang="en-US"/>
+              <a:t>have found</a:t>
+            </a:r>
             <a:endParaRPr lang="en-US" dirty="0"/>
           </a:p>
           <a:p>
@@ -24460,7 +24435,7 @@
     </p:custDataLst>
     <p:extLst>
       <p:ext uri="{BB962C8B-B14F-4D97-AF65-F5344CB8AC3E}">
-        <p14:creationId xmlns:p14="http://schemas.microsoft.com/office/powerpoint/2010/main" val="1271311258"/>
+        <p14:creationId xmlns:p14="http://schemas.microsoft.com/office/powerpoint/2010/main" val="2950543952"/>
       </p:ext>
     </p:extLst>
   </p:cSld>
@@ -24700,6 +24675,127 @@
 </file>
 
 <file path=ppt/slides/slide30.xml><?xml version="1.0" encoding="utf-8"?>
+<p:sld xmlns:a="http://schemas.openxmlformats.org/drawingml/2006/main" xmlns:r="http://schemas.openxmlformats.org/officeDocument/2006/relationships" xmlns:p="http://schemas.openxmlformats.org/presentationml/2006/main">
+  <p:cSld>
+    <p:spTree>
+      <p:nvGrpSpPr>
+        <p:cNvPr id="1" name=""/>
+        <p:cNvGrpSpPr/>
+        <p:nvPr/>
+      </p:nvGrpSpPr>
+      <p:grpSpPr>
+        <a:xfrm>
+          <a:off x="0" y="0"/>
+          <a:ext cx="0" cy="0"/>
+          <a:chOff x="0" y="0"/>
+          <a:chExt cx="0" cy="0"/>
+        </a:xfrm>
+      </p:grpSpPr>
+      <p:sp>
+        <p:nvSpPr>
+          <p:cNvPr id="5" name="Title 4"/>
+          <p:cNvSpPr>
+            <a:spLocks noGrp="1"/>
+          </p:cNvSpPr>
+          <p:nvPr>
+            <p:ph type="title"/>
+          </p:nvPr>
+        </p:nvSpPr>
+        <p:spPr>
+          <a:xfrm>
+            <a:off x="593386" y="-1"/>
+            <a:ext cx="8093413" cy="838800"/>
+          </a:xfrm>
+        </p:spPr>
+        <p:txBody>
+          <a:bodyPr/>
+          <a:lstStyle/>
+          <a:p>
+            <a:r>
+              <a:rPr lang="en-SG" dirty="0"/>
+              <a:t>Activity (II)</a:t>
+            </a:r>
+          </a:p>
+        </p:txBody>
+      </p:sp>
+      <p:sp>
+        <p:nvSpPr>
+          <p:cNvPr id="6" name="Content Placeholder 5"/>
+          <p:cNvSpPr>
+            <a:spLocks noGrp="1"/>
+          </p:cNvSpPr>
+          <p:nvPr>
+            <p:ph idx="1"/>
+          </p:nvPr>
+        </p:nvSpPr>
+        <p:spPr>
+          <a:xfrm>
+            <a:off x="492133" y="1256579"/>
+            <a:ext cx="8468334" cy="5504144"/>
+          </a:xfrm>
+        </p:spPr>
+        <p:txBody>
+          <a:bodyPr>
+            <a:noAutofit/>
+          </a:bodyPr>
+          <a:lstStyle/>
+          <a:p>
+            <a:pPr algn="just"/>
+            <a:r>
+              <a:rPr lang="en-US" i="1" u="sng" dirty="0"/>
+              <a:t>Random sampling program:</a:t>
+            </a:r>
+          </a:p>
+          <a:p>
+            <a:pPr marL="342900" indent="-342900" algn="just">
+              <a:buFont typeface="Arial" panose="020B0604020202020204" pitchFamily="34" charset="0"/>
+              <a:buChar char="•"/>
+            </a:pPr>
+            <a:r>
+              <a:rPr lang="en-US" dirty="0">
+                <a:solidFill>
+                  <a:schemeClr val="tx1"/>
+                </a:solidFill>
+              </a:rPr>
+              <a:t>Generate a histogram of the 100 random numbers drawn in the previous Chapter. Provide a title as well as labels for both axes in the chart.</a:t>
+            </a:r>
+          </a:p>
+          <a:p>
+            <a:pPr marL="354013" indent="-354013">
+              <a:buFont typeface="Arial" panose="020B0604020202020204" pitchFamily="34" charset="0"/>
+              <a:buChar char="•"/>
+            </a:pPr>
+            <a:endParaRPr lang="en-US" dirty="0"/>
+          </a:p>
+          <a:p>
+            <a:pPr marL="354013" indent="-354013">
+              <a:buFont typeface="Arial" panose="020B0604020202020204" pitchFamily="34" charset="0"/>
+              <a:buChar char="•"/>
+            </a:pPr>
+            <a:endParaRPr lang="en-SG" dirty="0"/>
+          </a:p>
+          <a:p>
+            <a:endParaRPr lang="en-SG" dirty="0"/>
+          </a:p>
+        </p:txBody>
+      </p:sp>
+    </p:spTree>
+    <p:custDataLst>
+      <p:tags r:id="rId1"/>
+    </p:custDataLst>
+    <p:extLst>
+      <p:ext uri="{BB962C8B-B14F-4D97-AF65-F5344CB8AC3E}">
+        <p14:creationId xmlns:p14="http://schemas.microsoft.com/office/powerpoint/2010/main" val="1271311258"/>
+      </p:ext>
+    </p:extLst>
+  </p:cSld>
+  <p:clrMapOvr>
+    <a:masterClrMapping/>
+  </p:clrMapOvr>
+</p:sld>
+</file>
+
+<file path=ppt/slides/slide31.xml><?xml version="1.0" encoding="utf-8"?>
 <p:sld xmlns:a="http://schemas.openxmlformats.org/drawingml/2006/main" xmlns:r="http://schemas.openxmlformats.org/officeDocument/2006/relationships" xmlns:p="http://schemas.openxmlformats.org/presentationml/2006/main" show="0">
   <p:cSld>
     <p:spTree>
@@ -24775,8 +24871,8 @@
 </p:sld>
 </file>
 
-<file path=ppt/slides/slide31.xml><?xml version="1.0" encoding="utf-8"?>
-<p:sld xmlns:a="http://schemas.openxmlformats.org/drawingml/2006/main" xmlns:r="http://schemas.openxmlformats.org/officeDocument/2006/relationships" xmlns:p="http://schemas.openxmlformats.org/presentationml/2006/main" show="0">
+<file path=ppt/slides/slide32.xml><?xml version="1.0" encoding="utf-8"?>
+<p:sld xmlns:a="http://schemas.openxmlformats.org/drawingml/2006/main" xmlns:r="http://schemas.openxmlformats.org/officeDocument/2006/relationships" xmlns:p="http://schemas.openxmlformats.org/presentationml/2006/main">
   <p:cSld>
     <p:spTree>
       <p:nvGrpSpPr>
@@ -25056,7 +25152,7 @@
 </p:sld>
 </file>
 
-<file path=ppt/slides/slide32.xml><?xml version="1.0" encoding="utf-8"?>
+<file path=ppt/slides/slide33.xml><?xml version="1.0" encoding="utf-8"?>
 <p:sld xmlns:a="http://schemas.openxmlformats.org/drawingml/2006/main" xmlns:r="http://schemas.openxmlformats.org/officeDocument/2006/relationships" xmlns:p="http://schemas.openxmlformats.org/presentationml/2006/main" show="0">
   <p:cSld>
     <p:spTree>
@@ -25155,7 +25251,7 @@
 </p:sld>
 </file>
 
-<file path=ppt/slides/slide33.xml><?xml version="1.0" encoding="utf-8"?>
+<file path=ppt/slides/slide34.xml><?xml version="1.0" encoding="utf-8"?>
 <p:sld xmlns:a="http://schemas.openxmlformats.org/drawingml/2006/main" xmlns:r="http://schemas.openxmlformats.org/officeDocument/2006/relationships" xmlns:p="http://schemas.openxmlformats.org/presentationml/2006/main" show="0">
   <p:cSld>
     <p:spTree>
@@ -25231,7 +25327,7 @@
 </p:sld>
 </file>
 
-<file path=ppt/slides/slide34.xml><?xml version="1.0" encoding="utf-8"?>
+<file path=ppt/slides/slide35.xml><?xml version="1.0" encoding="utf-8"?>
 <p:sld xmlns:a="http://schemas.openxmlformats.org/drawingml/2006/main" xmlns:r="http://schemas.openxmlformats.org/officeDocument/2006/relationships" xmlns:p="http://schemas.openxmlformats.org/presentationml/2006/main">
   <p:cSld>
     <p:spTree>
@@ -25338,7 +25434,7 @@
 </p:sld>
 </file>
 
-<file path=ppt/slides/slide35.xml><?xml version="1.0" encoding="utf-8"?>
+<file path=ppt/slides/slide36.xml><?xml version="1.0" encoding="utf-8"?>
 <p:sld xmlns:a="http://schemas.openxmlformats.org/drawingml/2006/main" xmlns:r="http://schemas.openxmlformats.org/officeDocument/2006/relationships" xmlns:p="http://schemas.openxmlformats.org/presentationml/2006/main">
   <p:cSld>
     <p:spTree>
@@ -29248,12 +29344,6 @@
 </file>
 
 <file path=customXml/item1.xml><?xml version="1.0" encoding="utf-8"?>
-<p:properties xmlns:p="http://schemas.microsoft.com/office/2006/metadata/properties" xmlns:xsi="http://www.w3.org/2001/XMLSchema-instance">
-  <documentManagement/>
-</p:properties>
-</file>
-
-<file path=customXml/item2.xml><?xml version="1.0" encoding="utf-8"?>
 <ct:contentTypeSchema xmlns:ct="http://schemas.microsoft.com/office/2006/metadata/contentType" xmlns:ma="http://schemas.microsoft.com/office/2006/metadata/properties/metaAttributes" ct:_="" ma:_="" ma:contentTypeName="Document" ma:contentTypeID="0x010100606A1258361F104792B87D967037D439" ma:contentTypeVersion="0" ma:contentTypeDescription="Create a new document." ma:contentTypeScope="" ma:versionID="72d9905301751e4347c9ddc8332f4b8d">
   <xsd:schema xmlns:xsd="http://www.w3.org/2001/XMLSchema" xmlns:p="http://schemas.microsoft.com/office/2006/metadata/properties" targetNamespace="http://schemas.microsoft.com/office/2006/metadata/properties" ma:root="true" ma:fieldsID="4aeb20c0e3442673af7ee10786458764">
     <xsd:element name="properties">
@@ -29302,6 +29392,12 @@
 </ct:contentTypeSchema>
 </file>
 
+<file path=customXml/item2.xml><?xml version="1.0" encoding="utf-8"?>
+<p:properties xmlns:p="http://schemas.microsoft.com/office/2006/metadata/properties" xmlns:xsi="http://www.w3.org/2001/XMLSchema-instance">
+  <documentManagement/>
+</p:properties>
+</file>
+
 <file path=customXml/item3.xml><?xml version="1.0" encoding="utf-8"?>
 <?mso-contentType ?>
 <FormTemplates xmlns="http://schemas.microsoft.com/sharepoint/v3/contenttype/forms">
@@ -29312,20 +29408,6 @@
 </file>
 
 <file path=customXml/itemProps1.xml><?xml version="1.0" encoding="utf-8"?>
-<ds:datastoreItem xmlns:ds="http://schemas.openxmlformats.org/officeDocument/2006/customXml" ds:itemID="{50BC6695-9009-4E8C-96D7-2BD9B437109A}">
-  <ds:schemaRefs>
-    <ds:schemaRef ds:uri="http://schemas.microsoft.com/office/2006/metadata/properties"/>
-    <ds:schemaRef ds:uri="http://purl.org/dc/terms/"/>
-    <ds:schemaRef ds:uri="http://schemas.openxmlformats.org/package/2006/metadata/core-properties"/>
-    <ds:schemaRef ds:uri="http://schemas.microsoft.com/office/2006/documentManagement/types"/>
-    <ds:schemaRef ds:uri="http://purl.org/dc/elements/1.1/"/>
-    <ds:schemaRef ds:uri="http://www.w3.org/XML/1998/namespace"/>
-    <ds:schemaRef ds:uri="http://purl.org/dc/dcmitype/"/>
-  </ds:schemaRefs>
-</ds:datastoreItem>
-</file>
-
-<file path=customXml/itemProps2.xml><?xml version="1.0" encoding="utf-8"?>
 <ds:datastoreItem xmlns:ds="http://schemas.openxmlformats.org/officeDocument/2006/customXml" ds:itemID="{F223B4EA-C447-40BA-B202-65C188424725}">
   <ds:schemaRefs>
     <ds:schemaRef ds:uri="http://schemas.microsoft.com/office/2006/metadata/contentType"/>
@@ -29340,6 +29422,20 @@
 </ds:datastoreItem>
 </file>
 
+<file path=customXml/itemProps2.xml><?xml version="1.0" encoding="utf-8"?>
+<ds:datastoreItem xmlns:ds="http://schemas.openxmlformats.org/officeDocument/2006/customXml" ds:itemID="{50BC6695-9009-4E8C-96D7-2BD9B437109A}">
+  <ds:schemaRefs>
+    <ds:schemaRef ds:uri="http://schemas.microsoft.com/office/2006/metadata/properties"/>
+    <ds:schemaRef ds:uri="http://purl.org/dc/terms/"/>
+    <ds:schemaRef ds:uri="http://schemas.openxmlformats.org/package/2006/metadata/core-properties"/>
+    <ds:schemaRef ds:uri="http://schemas.microsoft.com/office/2006/documentManagement/types"/>
+    <ds:schemaRef ds:uri="http://purl.org/dc/elements/1.1/"/>
+    <ds:schemaRef ds:uri="http://www.w3.org/XML/1998/namespace"/>
+    <ds:schemaRef ds:uri="http://purl.org/dc/dcmitype/"/>
+  </ds:schemaRefs>
+</ds:datastoreItem>
+</file>
+
 <file path=customXml/itemProps3.xml><?xml version="1.0" encoding="utf-8"?>
 <ds:datastoreItem xmlns:ds="http://schemas.openxmlformats.org/officeDocument/2006/customXml" ds:itemID="{A8AED1B3-2F45-4762-91FA-ED08F295B52E}">
   <ds:schemaRefs>

--- a/SuSS/2022_Sem2_ANL252_Python_4_Biz/3_Lecturer/Lecture_3/ANL252_SU3_Jul2022 (MK Edits).pptx
+++ b/SuSS/2022_Sem2_ANL252_Python_4_Biz/3_Lecturer/Lecture_3/ANL252_SU3_Jul2022 (MK Edits).pptx
@@ -16763,7 +16763,7 @@
           <p:nvPr>
             <p:extLst>
               <p:ext uri="{D42A27DB-BD31-4B8C-83A1-F6EECF244321}">
-                <p14:modId xmlns:p14="http://schemas.microsoft.com/office/powerpoint/2010/main" val="248646458"/>
+                <p14:modId xmlns:p14="http://schemas.microsoft.com/office/powerpoint/2010/main" val="4273832105"/>
               </p:ext>
             </p:extLst>
           </p:nvPr>
@@ -17063,8 +17063,8 @@
                     <a:p>
                       <a:pPr algn="ctr"/>
                       <a:r>
-                        <a:rPr lang="en-US" dirty="0"/>
-                        <a:t>7</a:t>
+                        <a:rPr lang="en-US" baseline="0" dirty="0"/>
+                        <a:t>14</a:t>
                       </a:r>
                       <a:r>
                         <a:rPr lang="en-US" baseline="30000" dirty="0"/>
@@ -17136,16 +17136,20 @@
                     <a:p>
                       <a:pPr algn="ctr"/>
                       <a:r>
-                        <a:rPr lang="en-US" dirty="0"/>
-                        <a:t>21</a:t>
+                        <a:rPr lang="en-US"/>
+                        <a:t>28</a:t>
                       </a:r>
                       <a:r>
-                        <a:rPr lang="en-US" baseline="30000" dirty="0"/>
-                        <a:t>st</a:t>
+                        <a:rPr lang="en-US" baseline="30000"/>
+                        <a:t>th</a:t>
+                      </a:r>
+                      <a:r>
+                        <a:rPr lang="en-US"/>
+                        <a:t> Aug </a:t>
                       </a:r>
                       <a:r>
                         <a:rPr lang="en-US" dirty="0"/>
-                        <a:t> Aug 2022 (noon)</a:t>
+                        <a:t>2022 (noon)</a:t>
                       </a:r>
                       <a:endParaRPr lang="en-SG" dirty="0"/>
                     </a:p>
@@ -29344,6 +29348,21 @@
 </file>
 
 <file path=customXml/item1.xml><?xml version="1.0" encoding="utf-8"?>
+<?mso-contentType ?>
+<FormTemplates xmlns="http://schemas.microsoft.com/sharepoint/v3/contenttype/forms">
+  <Display>DocumentLibraryForm</Display>
+  <Edit>DocumentLibraryForm</Edit>
+  <New>DocumentLibraryForm</New>
+</FormTemplates>
+</file>
+
+<file path=customXml/item2.xml><?xml version="1.0" encoding="utf-8"?>
+<p:properties xmlns:p="http://schemas.microsoft.com/office/2006/metadata/properties" xmlns:xsi="http://www.w3.org/2001/XMLSchema-instance">
+  <documentManagement/>
+</p:properties>
+</file>
+
+<file path=customXml/item3.xml><?xml version="1.0" encoding="utf-8"?>
 <ct:contentTypeSchema xmlns:ct="http://schemas.microsoft.com/office/2006/metadata/contentType" xmlns:ma="http://schemas.microsoft.com/office/2006/metadata/properties/metaAttributes" ct:_="" ma:_="" ma:contentTypeName="Document" ma:contentTypeID="0x010100606A1258361F104792B87D967037D439" ma:contentTypeVersion="0" ma:contentTypeDescription="Create a new document." ma:contentTypeScope="" ma:versionID="72d9905301751e4347c9ddc8332f4b8d">
   <xsd:schema xmlns:xsd="http://www.w3.org/2001/XMLSchema" xmlns:p="http://schemas.microsoft.com/office/2006/metadata/properties" targetNamespace="http://schemas.microsoft.com/office/2006/metadata/properties" ma:root="true" ma:fieldsID="4aeb20c0e3442673af7ee10786458764">
     <xsd:element name="properties">
@@ -29392,32 +29411,10 @@
 </ct:contentTypeSchema>
 </file>
 
-<file path=customXml/item2.xml><?xml version="1.0" encoding="utf-8"?>
-<p:properties xmlns:p="http://schemas.microsoft.com/office/2006/metadata/properties" xmlns:xsi="http://www.w3.org/2001/XMLSchema-instance">
-  <documentManagement/>
-</p:properties>
-</file>
-
-<file path=customXml/item3.xml><?xml version="1.0" encoding="utf-8"?>
-<?mso-contentType ?>
-<FormTemplates xmlns="http://schemas.microsoft.com/sharepoint/v3/contenttype/forms">
-  <Display>DocumentLibraryForm</Display>
-  <Edit>DocumentLibraryForm</Edit>
-  <New>DocumentLibraryForm</New>
-</FormTemplates>
-</file>
-
 <file path=customXml/itemProps1.xml><?xml version="1.0" encoding="utf-8"?>
-<ds:datastoreItem xmlns:ds="http://schemas.openxmlformats.org/officeDocument/2006/customXml" ds:itemID="{F223B4EA-C447-40BA-B202-65C188424725}">
+<ds:datastoreItem xmlns:ds="http://schemas.openxmlformats.org/officeDocument/2006/customXml" ds:itemID="{A8AED1B3-2F45-4762-91FA-ED08F295B52E}">
   <ds:schemaRefs>
-    <ds:schemaRef ds:uri="http://schemas.microsoft.com/office/2006/metadata/contentType"/>
-    <ds:schemaRef ds:uri="http://schemas.microsoft.com/office/2006/metadata/properties/metaAttributes"/>
-    <ds:schemaRef ds:uri="http://www.w3.org/2001/XMLSchema"/>
-    <ds:schemaRef ds:uri="http://schemas.microsoft.com/office/2006/metadata/properties"/>
-    <ds:schemaRef ds:uri="http://schemas.openxmlformats.org/package/2006/metadata/core-properties"/>
-    <ds:schemaRef ds:uri="http://purl.org/dc/elements/1.1/"/>
-    <ds:schemaRef ds:uri="http://purl.org/dc/terms/"/>
-    <ds:schemaRef ds:uri="http://schemas.microsoft.com/office/internal/2005/internalDocumentation"/>
+    <ds:schemaRef ds:uri="http://schemas.microsoft.com/sharepoint/v3/contenttype/forms"/>
   </ds:schemaRefs>
 </ds:datastoreItem>
 </file>
@@ -29437,9 +29434,16 @@
 </file>
 
 <file path=customXml/itemProps3.xml><?xml version="1.0" encoding="utf-8"?>
-<ds:datastoreItem xmlns:ds="http://schemas.openxmlformats.org/officeDocument/2006/customXml" ds:itemID="{A8AED1B3-2F45-4762-91FA-ED08F295B52E}">
+<ds:datastoreItem xmlns:ds="http://schemas.openxmlformats.org/officeDocument/2006/customXml" ds:itemID="{F223B4EA-C447-40BA-B202-65C188424725}">
   <ds:schemaRefs>
-    <ds:schemaRef ds:uri="http://schemas.microsoft.com/sharepoint/v3/contenttype/forms"/>
+    <ds:schemaRef ds:uri="http://schemas.microsoft.com/office/2006/metadata/contentType"/>
+    <ds:schemaRef ds:uri="http://schemas.microsoft.com/office/2006/metadata/properties/metaAttributes"/>
+    <ds:schemaRef ds:uri="http://www.w3.org/2001/XMLSchema"/>
+    <ds:schemaRef ds:uri="http://schemas.microsoft.com/office/2006/metadata/properties"/>
+    <ds:schemaRef ds:uri="http://schemas.openxmlformats.org/package/2006/metadata/core-properties"/>
+    <ds:schemaRef ds:uri="http://purl.org/dc/elements/1.1/"/>
+    <ds:schemaRef ds:uri="http://purl.org/dc/terms/"/>
+    <ds:schemaRef ds:uri="http://schemas.microsoft.com/office/internal/2005/internalDocumentation"/>
   </ds:schemaRefs>
 </ds:datastoreItem>
 </file>